--- a/week_6/6.1 Classes_Introduction.pptx
+++ b/week_6/6.1 Classes_Introduction.pptx
@@ -196,7 +196,7 @@
           <a:p>
             <a:fld id="{4C18AD5C-5E70-9A4D-AD24-5B2F387410DC}" type="datetimeFigureOut">
               <a:rPr lang="en-US" smtClean="0"/>
-              <a:t>9/16/15</a:t>
+              <a:t>9/21/15</a:t>
             </a:fld>
             <a:endParaRPr lang="en-US"/>
           </a:p>
@@ -733,7 +733,7 @@
           <a:p>
             <a:fld id="{12DF6F7C-BD0C-FE48-8E13-F9E8BDD40FBD}" type="datetimeFigureOut">
               <a:rPr lang="en-US" smtClean="0"/>
-              <a:t>9/16/15</a:t>
+              <a:t>9/21/15</a:t>
             </a:fld>
             <a:endParaRPr lang="en-US"/>
           </a:p>
@@ -903,7 +903,7 @@
           <a:p>
             <a:fld id="{12DF6F7C-BD0C-FE48-8E13-F9E8BDD40FBD}" type="datetimeFigureOut">
               <a:rPr lang="en-US" smtClean="0"/>
-              <a:t>9/16/15</a:t>
+              <a:t>9/21/15</a:t>
             </a:fld>
             <a:endParaRPr lang="en-US"/>
           </a:p>
@@ -1083,7 +1083,7 @@
           <a:p>
             <a:fld id="{12DF6F7C-BD0C-FE48-8E13-F9E8BDD40FBD}" type="datetimeFigureOut">
               <a:rPr lang="en-US" smtClean="0"/>
-              <a:t>9/16/15</a:t>
+              <a:t>9/21/15</a:t>
             </a:fld>
             <a:endParaRPr lang="en-US"/>
           </a:p>
@@ -1253,7 +1253,7 @@
           <a:p>
             <a:fld id="{12DF6F7C-BD0C-FE48-8E13-F9E8BDD40FBD}" type="datetimeFigureOut">
               <a:rPr lang="en-US" smtClean="0"/>
-              <a:t>9/16/15</a:t>
+              <a:t>9/21/15</a:t>
             </a:fld>
             <a:endParaRPr lang="en-US"/>
           </a:p>
@@ -1499,7 +1499,7 @@
           <a:p>
             <a:fld id="{12DF6F7C-BD0C-FE48-8E13-F9E8BDD40FBD}" type="datetimeFigureOut">
               <a:rPr lang="en-US" smtClean="0"/>
-              <a:t>9/16/15</a:t>
+              <a:t>9/21/15</a:t>
             </a:fld>
             <a:endParaRPr lang="en-US"/>
           </a:p>
@@ -1787,7 +1787,7 @@
           <a:p>
             <a:fld id="{12DF6F7C-BD0C-FE48-8E13-F9E8BDD40FBD}" type="datetimeFigureOut">
               <a:rPr lang="en-US" smtClean="0"/>
-              <a:t>9/16/15</a:t>
+              <a:t>9/21/15</a:t>
             </a:fld>
             <a:endParaRPr lang="en-US"/>
           </a:p>
@@ -2209,7 +2209,7 @@
           <a:p>
             <a:fld id="{12DF6F7C-BD0C-FE48-8E13-F9E8BDD40FBD}" type="datetimeFigureOut">
               <a:rPr lang="en-US" smtClean="0"/>
-              <a:t>9/16/15</a:t>
+              <a:t>9/21/15</a:t>
             </a:fld>
             <a:endParaRPr lang="en-US"/>
           </a:p>
@@ -2327,7 +2327,7 @@
           <a:p>
             <a:fld id="{12DF6F7C-BD0C-FE48-8E13-F9E8BDD40FBD}" type="datetimeFigureOut">
               <a:rPr lang="en-US" smtClean="0"/>
-              <a:t>9/16/15</a:t>
+              <a:t>9/21/15</a:t>
             </a:fld>
             <a:endParaRPr lang="en-US"/>
           </a:p>
@@ -2422,7 +2422,7 @@
           <a:p>
             <a:fld id="{12DF6F7C-BD0C-FE48-8E13-F9E8BDD40FBD}" type="datetimeFigureOut">
               <a:rPr lang="en-US" smtClean="0"/>
-              <a:t>9/16/15</a:t>
+              <a:t>9/21/15</a:t>
             </a:fld>
             <a:endParaRPr lang="en-US"/>
           </a:p>
@@ -2699,7 +2699,7 @@
           <a:p>
             <a:fld id="{12DF6F7C-BD0C-FE48-8E13-F9E8BDD40FBD}" type="datetimeFigureOut">
               <a:rPr lang="en-US" smtClean="0"/>
-              <a:t>9/16/15</a:t>
+              <a:t>9/21/15</a:t>
             </a:fld>
             <a:endParaRPr lang="en-US"/>
           </a:p>
@@ -2952,7 +2952,7 @@
           <a:p>
             <a:fld id="{12DF6F7C-BD0C-FE48-8E13-F9E8BDD40FBD}" type="datetimeFigureOut">
               <a:rPr lang="en-US" smtClean="0"/>
-              <a:t>9/16/15</a:t>
+              <a:t>9/21/15</a:t>
             </a:fld>
             <a:endParaRPr lang="en-US"/>
           </a:p>
@@ -3165,7 +3165,7 @@
           <a:p>
             <a:fld id="{12DF6F7C-BD0C-FE48-8E13-F9E8BDD40FBD}" type="datetimeFigureOut">
               <a:rPr lang="en-US" smtClean="0"/>
-              <a:t>9/16/15</a:t>
+              <a:t>9/21/15</a:t>
             </a:fld>
             <a:endParaRPr lang="en-US"/>
           </a:p>
@@ -4393,7 +4393,7 @@
         <p:spPr/>
         <p:txBody>
           <a:bodyPr>
-            <a:normAutofit fontScale="77500" lnSpcReduction="20000"/>
+            <a:normAutofit fontScale="70000" lnSpcReduction="20000"/>
           </a:bodyPr>
           <a:lstStyle/>
           <a:p>
@@ -4412,15 +4412,7 @@
             <a:pPr lvl="1"/>
             <a:r>
               <a:rPr lang="en-US" dirty="0" smtClean="0"/>
-              <a:t>They include methods, as well as </a:t>
-            </a:r>
-            <a:r>
-              <a:rPr lang="en-US" dirty="0" smtClean="0"/>
-              <a:t>other data</a:t>
-            </a:r>
-            <a:r>
-              <a:rPr lang="en-US" dirty="0" smtClean="0"/>
-              <a:t>.</a:t>
+              <a:t>They include methods, as well as other data.</a:t>
             </a:r>
           </a:p>
           <a:p>
@@ -4509,7 +4501,19 @@
           <a:p>
             <a:r>
               <a:rPr lang="en-US" dirty="0" smtClean="0"/>
-              <a:t>Now let’s see how to create a new class in Python…</a:t>
+              <a:t>In the next few lessons, we’ll learn </a:t>
+            </a:r>
+            <a:r>
+              <a:rPr lang="en-US" smtClean="0"/>
+              <a:t>how to </a:t>
+            </a:r>
+            <a:r>
+              <a:rPr lang="en-US" smtClean="0"/>
+              <a:t>create </a:t>
+            </a:r>
+            <a:r>
+              <a:rPr lang="en-US" dirty="0" smtClean="0"/>
+              <a:t>a new class in Python…</a:t>
             </a:r>
           </a:p>
         </p:txBody>
